--- a/IFind_презентация.pptx
+++ b/IFind_презентация.pptx
@@ -16,6 +16,7 @@
     <p:sldId id="264" r:id="rId10"/>
     <p:sldId id="266" r:id="rId11"/>
     <p:sldId id="267" r:id="rId12"/>
+    <p:sldId id="268" r:id="rId13"/>
   </p:sldIdLst>
   <p:sldSz cx="9144000" cy="6858000" type="screen4x3"/>
   <p:notesSz cx="6858000" cy="9144000"/>
@@ -3519,6 +3520,34 @@
           </a:p>
         </p:txBody>
       </p:sp>
+      <p:sp>
+        <p:nvSpPr>
+          <p:cNvPr id="7" name="Заголовок 1"/>
+          <p:cNvSpPr>
+            <a:spLocks noGrp="1"/>
+          </p:cNvSpPr>
+          <p:nvPr>
+            <p:ph type="title"/>
+          </p:nvPr>
+        </p:nvSpPr>
+        <p:spPr>
+          <a:xfrm>
+            <a:off x="500034" y="214290"/>
+            <a:ext cx="8229600" cy="917596"/>
+          </a:xfrm>
+        </p:spPr>
+        <p:txBody>
+          <a:bodyPr/>
+          <a:lstStyle/>
+          <a:p>
+            <a:r>
+              <a:rPr lang="ru-RU" dirty="0" err="1" smtClean="0"/>
+              <a:t>Скрины</a:t>
+            </a:r>
+            <a:endParaRPr lang="ru-RU" dirty="0"/>
+          </a:p>
+        </p:txBody>
+      </p:sp>
     </p:spTree>
   </p:cSld>
   <p:clrMapOvr>
@@ -3647,6 +3676,163 @@
             <a:tailEnd/>
           </a:ln>
           <a:effectLst/>
+        </p:spPr>
+      </p:pic>
+      <p:sp>
+        <p:nvSpPr>
+          <p:cNvPr id="5" name="Заголовок 1"/>
+          <p:cNvSpPr>
+            <a:spLocks noGrp="1"/>
+          </p:cNvSpPr>
+          <p:nvPr>
+            <p:ph type="title"/>
+          </p:nvPr>
+        </p:nvSpPr>
+        <p:spPr>
+          <a:xfrm>
+            <a:off x="500034" y="214290"/>
+            <a:ext cx="8229600" cy="917596"/>
+          </a:xfrm>
+        </p:spPr>
+        <p:txBody>
+          <a:bodyPr/>
+          <a:lstStyle/>
+          <a:p>
+            <a:r>
+              <a:rPr lang="ru-RU" dirty="0" err="1" smtClean="0"/>
+              <a:t>Скрины</a:t>
+            </a:r>
+            <a:endParaRPr lang="ru-RU" dirty="0"/>
+          </a:p>
+        </p:txBody>
+      </p:sp>
+    </p:spTree>
+  </p:cSld>
+  <p:clrMapOvr>
+    <a:masterClrMapping/>
+  </p:clrMapOvr>
+  <p:timing>
+    <p:tnLst>
+      <p:par>
+        <p:cTn id="1" dur="indefinite" restart="never" nodeType="tmRoot"/>
+      </p:par>
+    </p:tnLst>
+  </p:timing>
+</p:sld>
+</file>
+
+<file path=ppt/slides/slide12.xml><?xml version="1.0" encoding="utf-8"?>
+<p:sld xmlns:a="http://schemas.openxmlformats.org/drawingml/2006/main" xmlns:r="http://schemas.openxmlformats.org/officeDocument/2006/relationships" xmlns:p="http://schemas.openxmlformats.org/presentationml/2006/main">
+  <p:cSld>
+    <p:bg>
+      <p:bgPr>
+        <a:gradFill>
+          <a:gsLst>
+            <a:gs pos="0">
+              <a:srgbClr val="E7E8E0"/>
+            </a:gs>
+            <a:gs pos="64999">
+              <a:srgbClr val="F0EBD5"/>
+            </a:gs>
+            <a:gs pos="100000">
+              <a:srgbClr val="D1C39F"/>
+            </a:gs>
+            <a:gs pos="100000">
+              <a:srgbClr val="D1C39F"/>
+            </a:gs>
+          </a:gsLst>
+          <a:lin ang="13200000" scaled="0"/>
+        </a:gradFill>
+        <a:effectLst/>
+      </p:bgPr>
+    </p:bg>
+    <p:spTree>
+      <p:nvGrpSpPr>
+        <p:cNvPr id="1" name=""/>
+        <p:cNvGrpSpPr/>
+        <p:nvPr/>
+      </p:nvGrpSpPr>
+      <p:grpSpPr>
+        <a:xfrm>
+          <a:off x="0" y="0"/>
+          <a:ext cx="0" cy="0"/>
+          <a:chOff x="0" y="0"/>
+          <a:chExt cx="0" cy="0"/>
+        </a:xfrm>
+      </p:grpSpPr>
+      <p:sp>
+        <p:nvSpPr>
+          <p:cNvPr id="2" name="Заголовок 1"/>
+          <p:cNvSpPr>
+            <a:spLocks noGrp="1"/>
+          </p:cNvSpPr>
+          <p:nvPr>
+            <p:ph type="title"/>
+          </p:nvPr>
+        </p:nvSpPr>
+        <p:spPr/>
+        <p:txBody>
+          <a:bodyPr/>
+          <a:lstStyle/>
+          <a:p>
+            <a:endParaRPr lang="ru-RU"/>
+          </a:p>
+        </p:txBody>
+      </p:sp>
+      <p:sp>
+        <p:nvSpPr>
+          <p:cNvPr id="3" name="Содержимое 2"/>
+          <p:cNvSpPr>
+            <a:spLocks noGrp="1"/>
+          </p:cNvSpPr>
+          <p:nvPr>
+            <p:ph idx="1"/>
+          </p:nvPr>
+        </p:nvSpPr>
+        <p:spPr/>
+        <p:txBody>
+          <a:bodyPr/>
+          <a:lstStyle/>
+          <a:p>
+            <a:endParaRPr lang="ru-RU"/>
+          </a:p>
+        </p:txBody>
+      </p:sp>
+      <p:pic>
+        <p:nvPicPr>
+          <p:cNvPr id="8194" name="Picture 2" descr="C:\Users\Sveta\Desktop\InterSystem\I FIND\презентация\emailmarketing.jpg"/>
+          <p:cNvPicPr>
+            <a:picLocks noChangeAspect="1" noChangeArrowheads="1"/>
+          </p:cNvPicPr>
+          <p:nvPr/>
+        </p:nvPicPr>
+        <p:blipFill>
+          <a:blip r:embed="rId2" cstate="print">
+            <a:clrChange>
+              <a:clrFrom>
+                <a:srgbClr val="E4E5E7"/>
+              </a:clrFrom>
+              <a:clrTo>
+                <a:srgbClr val="E4E5E7">
+                  <a:alpha val="0"/>
+                </a:srgbClr>
+              </a:clrTo>
+            </a:clrChange>
+          </a:blip>
+          <a:srcRect/>
+          <a:stretch>
+            <a:fillRect/>
+          </a:stretch>
+        </p:blipFill>
+        <p:spPr bwMode="auto">
+          <a:xfrm>
+            <a:off x="5998570" y="4572008"/>
+            <a:ext cx="1517282" cy="1214446"/>
+          </a:xfrm>
+          <a:prstGeom prst="rect">
+            <a:avLst/>
+          </a:prstGeom>
+          <a:noFill/>
         </p:spPr>
       </p:pic>
     </p:spTree>
@@ -4137,6 +4323,43 @@
           </a:p>
         </p:txBody>
       </p:sp>
+      <p:pic>
+        <p:nvPicPr>
+          <p:cNvPr id="7" name="Picture 2" descr="C:\Users\Sveta\Desktop\InterSystem\I FIND\презентация\emailmarketing.jpg"/>
+          <p:cNvPicPr>
+            <a:picLocks noChangeAspect="1" noChangeArrowheads="1"/>
+          </p:cNvPicPr>
+          <p:nvPr/>
+        </p:nvPicPr>
+        <p:blipFill>
+          <a:blip r:embed="rId2" cstate="print">
+            <a:clrChange>
+              <a:clrFrom>
+                <a:srgbClr val="E4E5E7"/>
+              </a:clrFrom>
+              <a:clrTo>
+                <a:srgbClr val="E4E5E7">
+                  <a:alpha val="0"/>
+                </a:srgbClr>
+              </a:clrTo>
+            </a:clrChange>
+          </a:blip>
+          <a:srcRect/>
+          <a:stretch>
+            <a:fillRect/>
+          </a:stretch>
+        </p:blipFill>
+        <p:spPr bwMode="auto">
+          <a:xfrm>
+            <a:off x="7626718" y="5643554"/>
+            <a:ext cx="1517282" cy="1214446"/>
+          </a:xfrm>
+          <a:prstGeom prst="rect">
+            <a:avLst/>
+          </a:prstGeom>
+          <a:noFill/>
+        </p:spPr>
+      </p:pic>
     </p:spTree>
   </p:cSld>
   <p:clrMapOvr>
@@ -4381,6 +4604,43 @@
           </a:p>
         </p:txBody>
       </p:sp>
+      <p:pic>
+        <p:nvPicPr>
+          <p:cNvPr id="9" name="Picture 2" descr="C:\Users\Sveta\Desktop\InterSystem\I FIND\презентация\emailmarketing.jpg"/>
+          <p:cNvPicPr>
+            <a:picLocks noChangeAspect="1" noChangeArrowheads="1"/>
+          </p:cNvPicPr>
+          <p:nvPr/>
+        </p:nvPicPr>
+        <p:blipFill>
+          <a:blip r:embed="rId2" cstate="print">
+            <a:clrChange>
+              <a:clrFrom>
+                <a:srgbClr val="E4E5E7"/>
+              </a:clrFrom>
+              <a:clrTo>
+                <a:srgbClr val="E4E5E7">
+                  <a:alpha val="0"/>
+                </a:srgbClr>
+              </a:clrTo>
+            </a:clrChange>
+          </a:blip>
+          <a:srcRect/>
+          <a:stretch>
+            <a:fillRect/>
+          </a:stretch>
+        </p:blipFill>
+        <p:spPr bwMode="auto">
+          <a:xfrm>
+            <a:off x="7626718" y="5643554"/>
+            <a:ext cx="1517282" cy="1214446"/>
+          </a:xfrm>
+          <a:prstGeom prst="rect">
+            <a:avLst/>
+          </a:prstGeom>
+          <a:noFill/>
+        </p:spPr>
+      </p:pic>
     </p:spTree>
   </p:cSld>
   <p:clrMapOvr>
@@ -4626,7 +4886,7 @@
         </p:blipFill>
         <p:spPr bwMode="auto">
           <a:xfrm rot="20643265">
-            <a:off x="5227987" y="3013417"/>
+            <a:off x="5370863" y="3013416"/>
             <a:ext cx="3134296" cy="3134296"/>
           </a:xfrm>
           <a:prstGeom prst="rect">
@@ -4856,6 +5116,43 @@
           </a:p>
         </p:txBody>
       </p:sp>
+      <p:pic>
+        <p:nvPicPr>
+          <p:cNvPr id="7" name="Picture 2" descr="C:\Users\Sveta\Desktop\InterSystem\I FIND\презентация\emailmarketing.jpg"/>
+          <p:cNvPicPr>
+            <a:picLocks noChangeAspect="1" noChangeArrowheads="1"/>
+          </p:cNvPicPr>
+          <p:nvPr/>
+        </p:nvPicPr>
+        <p:blipFill>
+          <a:blip r:embed="rId2" cstate="print">
+            <a:clrChange>
+              <a:clrFrom>
+                <a:srgbClr val="E4E5E7"/>
+              </a:clrFrom>
+              <a:clrTo>
+                <a:srgbClr val="E4E5E7">
+                  <a:alpha val="0"/>
+                </a:srgbClr>
+              </a:clrTo>
+            </a:clrChange>
+          </a:blip>
+          <a:srcRect/>
+          <a:stretch>
+            <a:fillRect/>
+          </a:stretch>
+        </p:blipFill>
+        <p:spPr bwMode="auto">
+          <a:xfrm>
+            <a:off x="7626718" y="5643554"/>
+            <a:ext cx="1517282" cy="1214446"/>
+          </a:xfrm>
+          <a:prstGeom prst="rect">
+            <a:avLst/>
+          </a:prstGeom>
+          <a:noFill/>
+        </p:spPr>
+      </p:pic>
     </p:spTree>
   </p:cSld>
   <p:clrMapOvr>
@@ -5101,7 +5398,7 @@
         </p:blipFill>
         <p:spPr bwMode="auto">
           <a:xfrm>
-            <a:off x="4714876" y="1714488"/>
+            <a:off x="4643438" y="1714488"/>
             <a:ext cx="3449369" cy="4757750"/>
           </a:xfrm>
           <a:prstGeom prst="rect">
@@ -5410,17 +5707,13 @@
               <a:lnSpc>
                 <a:spcPct val="150000"/>
               </a:lnSpc>
-              <a:buFont typeface="Courier New" pitchFamily="49" charset="0"/>
-              <a:buChar char="o"/>
+              <a:buNone/>
             </a:pPr>
-            <a:r>
-              <a:rPr lang="ru-RU" sz="2800" dirty="0" smtClean="0">
-                <a:latin typeface="Microsoft JhengHei Light" pitchFamily="34" charset="-128"/>
-                <a:ea typeface="Microsoft JhengHei Light" pitchFamily="34" charset="-128"/>
-                <a:cs typeface="Microsoft JhengHei Light" pitchFamily="34" charset="-128"/>
-              </a:rPr>
-              <a:t>Поиск с параметром устранения помех +2</a:t>
-            </a:r>
+            <a:endParaRPr lang="ru-RU" sz="2800" dirty="0" smtClean="0">
+              <a:latin typeface="Microsoft JhengHei Light" pitchFamily="34" charset="-128"/>
+              <a:ea typeface="Microsoft JhengHei Light" pitchFamily="34" charset="-128"/>
+              <a:cs typeface="Microsoft JhengHei Light" pitchFamily="34" charset="-128"/>
+            </a:endParaRPr>
           </a:p>
           <a:p>
             <a:pPr>
@@ -5436,6 +5729,36 @@
                 <a:ea typeface="Microsoft JhengHei Light" pitchFamily="34" charset="-128"/>
                 <a:cs typeface="Microsoft JhengHei Light" pitchFamily="34" charset="-128"/>
               </a:rPr>
+              <a:t>Поиск с параметром устранения помех +2</a:t>
+            </a:r>
+          </a:p>
+          <a:p>
+            <a:pPr>
+              <a:lnSpc>
+                <a:spcPct val="150000"/>
+              </a:lnSpc>
+              <a:buNone/>
+            </a:pPr>
+            <a:endParaRPr lang="ru-RU" sz="2800" dirty="0" smtClean="0">
+              <a:latin typeface="Microsoft JhengHei Light" pitchFamily="34" charset="-128"/>
+              <a:ea typeface="Microsoft JhengHei Light" pitchFamily="34" charset="-128"/>
+              <a:cs typeface="Microsoft JhengHei Light" pitchFamily="34" charset="-128"/>
+            </a:endParaRPr>
+          </a:p>
+          <a:p>
+            <a:pPr>
+              <a:lnSpc>
+                <a:spcPct val="150000"/>
+              </a:lnSpc>
+              <a:buFont typeface="Courier New" pitchFamily="49" charset="0"/>
+              <a:buChar char="o"/>
+            </a:pPr>
+            <a:r>
+              <a:rPr lang="ru-RU" sz="2800" dirty="0" smtClean="0">
+                <a:latin typeface="Microsoft JhengHei Light" pitchFamily="34" charset="-128"/>
+                <a:ea typeface="Microsoft JhengHei Light" pitchFamily="34" charset="-128"/>
+                <a:cs typeface="Microsoft JhengHei Light" pitchFamily="34" charset="-128"/>
+              </a:rPr>
               <a:t>Вывод с подсветкой найденных вхождений</a:t>
             </a:r>
             <a:endParaRPr lang="ru-RU" sz="2800" dirty="0">
@@ -5446,6 +5769,43 @@
           </a:p>
         </p:txBody>
       </p:sp>
+      <p:pic>
+        <p:nvPicPr>
+          <p:cNvPr id="8" name="Picture 2" descr="C:\Users\Sveta\Desktop\InterSystem\I FIND\презентация\emailmarketing.jpg"/>
+          <p:cNvPicPr>
+            <a:picLocks noChangeAspect="1" noChangeArrowheads="1"/>
+          </p:cNvPicPr>
+          <p:nvPr/>
+        </p:nvPicPr>
+        <p:blipFill>
+          <a:blip r:embed="rId2" cstate="print">
+            <a:clrChange>
+              <a:clrFrom>
+                <a:srgbClr val="E4E5E7"/>
+              </a:clrFrom>
+              <a:clrTo>
+                <a:srgbClr val="E4E5E7">
+                  <a:alpha val="0"/>
+                </a:srgbClr>
+              </a:clrTo>
+            </a:clrChange>
+          </a:blip>
+          <a:srcRect/>
+          <a:stretch>
+            <a:fillRect/>
+          </a:stretch>
+        </p:blipFill>
+        <p:spPr bwMode="auto">
+          <a:xfrm>
+            <a:off x="7626718" y="5643554"/>
+            <a:ext cx="1517282" cy="1214446"/>
+          </a:xfrm>
+          <a:prstGeom prst="rect">
+            <a:avLst/>
+          </a:prstGeom>
+          <a:noFill/>
+        </p:spPr>
+      </p:pic>
     </p:spTree>
   </p:cSld>
   <p:clrMapOvr>

--- a/IFind_презентация.pptx
+++ b/IFind_презентация.pptx
@@ -115,6 +115,22 @@
       </a:defRPr>
     </a:lvl9pPr>
   </p:defaultTextStyle>
+  <p:extLst>
+    <p:ext uri="{EFAFB233-063F-42B5-8137-9DF3F51BA10A}">
+      <p15:sldGuideLst xmlns:p15="http://schemas.microsoft.com/office/powerpoint/2012/main">
+        <p15:guide id="1" orient="horz" pos="2160">
+          <p15:clr>
+            <a:srgbClr val="A4A3A4"/>
+          </p15:clr>
+        </p15:guide>
+        <p15:guide id="2" pos="2880">
+          <p15:clr>
+            <a:srgbClr val="A4A3A4"/>
+          </p15:clr>
+        </p15:guide>
+      </p15:sldGuideLst>
+    </p:ext>
+  </p:extLst>
 </p:presentation>
 </file>
 
@@ -3192,14 +3208,6 @@
               </a:rPr>
               <a:t>Использование </a:t>
             </a:r>
-            <a:r>
-              <a:rPr lang="ru-RU" sz="4000" dirty="0" smtClean="0">
-                <a:latin typeface="Microsoft JhengHei Light" pitchFamily="34" charset="-128"/>
-                <a:ea typeface="Microsoft JhengHei Light" pitchFamily="34" charset="-128"/>
-                <a:cs typeface="Microsoft JhengHei Light" pitchFamily="34" charset="-128"/>
-              </a:rPr>
-              <a:t/>
-            </a:r>
             <a:br>
               <a:rPr lang="ru-RU" sz="4000" dirty="0" smtClean="0">
                 <a:latin typeface="Microsoft JhengHei Light" pitchFamily="34" charset="-128"/>
@@ -3230,14 +3238,6 @@
                 <a:cs typeface="Microsoft JhengHei Light" pitchFamily="34" charset="-128"/>
               </a:rPr>
               <a:t>для анализа </a:t>
-            </a:r>
-            <a:r>
-              <a:rPr lang="ru-RU" sz="4000" dirty="0" smtClean="0">
-                <a:latin typeface="Microsoft JhengHei Light" pitchFamily="34" charset="-128"/>
-                <a:ea typeface="Microsoft JhengHei Light" pitchFamily="34" charset="-128"/>
-                <a:cs typeface="Microsoft JhengHei Light" pitchFamily="34" charset="-128"/>
-              </a:rPr>
-              <a:t/>
             </a:r>
             <a:br>
               <a:rPr lang="ru-RU" sz="4000" dirty="0" smtClean="0">
@@ -3770,31 +3770,21 @@
             <p:ph type="title"/>
           </p:nvPr>
         </p:nvSpPr>
-        <p:spPr/>
+        <p:spPr>
+          <a:xfrm>
+            <a:off x="444020" y="2060848"/>
+            <a:ext cx="8229600" cy="1143000"/>
+          </a:xfrm>
+        </p:spPr>
         <p:txBody>
           <a:bodyPr/>
           <a:lstStyle/>
           <a:p>
-            <a:endParaRPr lang="ru-RU"/>
-          </a:p>
-        </p:txBody>
-      </p:sp>
-      <p:sp>
-        <p:nvSpPr>
-          <p:cNvPr id="3" name="Содержимое 2"/>
-          <p:cNvSpPr>
-            <a:spLocks noGrp="1"/>
-          </p:cNvSpPr>
-          <p:nvPr>
-            <p:ph idx="1"/>
-          </p:nvPr>
-        </p:nvSpPr>
-        <p:spPr/>
-        <p:txBody>
-          <a:bodyPr/>
-          <a:lstStyle/>
-          <a:p>
-            <a:endParaRPr lang="ru-RU"/>
+            <a:r>
+              <a:rPr lang="ru-RU" dirty="0" smtClean="0"/>
+              <a:t>Спасибо за внимание </a:t>
+            </a:r>
+            <a:endParaRPr lang="ru-RU" dirty="0"/>
           </a:p>
         </p:txBody>
       </p:sp>
@@ -3826,7 +3816,7 @@
         </p:blipFill>
         <p:spPr bwMode="auto">
           <a:xfrm>
-            <a:off x="5998570" y="4572008"/>
+            <a:off x="7645865" y="5759181"/>
             <a:ext cx="1517282" cy="1214446"/>
           </a:xfrm>
           <a:prstGeom prst="rect">
@@ -4259,23 +4249,7 @@
                 <a:ea typeface="Microsoft JhengHei Light" pitchFamily="34" charset="-128"/>
                 <a:cs typeface="Microsoft JhengHei Light" pitchFamily="34" charset="-128"/>
               </a:rPr>
-              <a:t>I</a:t>
-            </a:r>
-            <a:r>
-              <a:rPr lang="en-US" sz="2800" dirty="0" err="1" smtClean="0">
-                <a:latin typeface="Microsoft JhengHei Light" pitchFamily="34" charset="-128"/>
-                <a:ea typeface="Microsoft JhengHei Light" pitchFamily="34" charset="-128"/>
-                <a:cs typeface="Microsoft JhengHei Light" pitchFamily="34" charset="-128"/>
-              </a:rPr>
-              <a:t>F</a:t>
-            </a:r>
-            <a:r>
-              <a:rPr lang="en-US" sz="2800" dirty="0" err="1" smtClean="0">
-                <a:latin typeface="Microsoft JhengHei Light" pitchFamily="34" charset="-128"/>
-                <a:ea typeface="Microsoft JhengHei Light" pitchFamily="34" charset="-128"/>
-                <a:cs typeface="Microsoft JhengHei Light" pitchFamily="34" charset="-128"/>
-              </a:rPr>
-              <a:t>ind</a:t>
+              <a:t>IFind</a:t>
             </a:r>
             <a:endParaRPr lang="en-US" sz="2800" dirty="0" smtClean="0">
               <a:latin typeface="Microsoft JhengHei Light" pitchFamily="34" charset="-128"/>
